--- a/week3/Dissertation_3.pptx
+++ b/week3/Dissertation_3.pptx
@@ -205,7 +205,7 @@
           <a:p>
             <a:fld id="{5551B73A-00A5-41F0-AD1E-E8BC06CD57C4}" type="datetimeFigureOut">
               <a:rPr lang="zh-CN" altLang="en-US" smtClean="0"/>
-              <a:t>2023/6/19</a:t>
+              <a:t>2023/6/27</a:t>
             </a:fld>
             <a:endParaRPr lang="zh-CN" altLang="en-US"/>
           </a:p>
@@ -619,7 +619,7 @@
           <a:p>
             <a:fld id="{2737B94B-463C-4A10-B31F-5D6631A642E2}" type="datetimeFigureOut">
               <a:rPr lang="zh-CN" altLang="en-US" smtClean="0"/>
-              <a:t>2023/6/19</a:t>
+              <a:t>2023/6/27</a:t>
             </a:fld>
             <a:endParaRPr lang="zh-CN" altLang="en-US"/>
           </a:p>
@@ -817,7 +817,7 @@
           <a:p>
             <a:fld id="{2737B94B-463C-4A10-B31F-5D6631A642E2}" type="datetimeFigureOut">
               <a:rPr lang="zh-CN" altLang="en-US" smtClean="0"/>
-              <a:t>2023/6/19</a:t>
+              <a:t>2023/6/27</a:t>
             </a:fld>
             <a:endParaRPr lang="zh-CN" altLang="en-US"/>
           </a:p>
@@ -1025,7 +1025,7 @@
           <a:p>
             <a:fld id="{2737B94B-463C-4A10-B31F-5D6631A642E2}" type="datetimeFigureOut">
               <a:rPr lang="zh-CN" altLang="en-US" smtClean="0"/>
-              <a:t>2023/6/19</a:t>
+              <a:t>2023/6/27</a:t>
             </a:fld>
             <a:endParaRPr lang="zh-CN" altLang="en-US"/>
           </a:p>
@@ -1619,7 +1619,7 @@
           <a:p>
             <a:fld id="{2737B94B-463C-4A10-B31F-5D6631A642E2}" type="datetimeFigureOut">
               <a:rPr lang="zh-CN" altLang="en-US" smtClean="0"/>
-              <a:t>2023/6/19</a:t>
+              <a:t>2023/6/27</a:t>
             </a:fld>
             <a:endParaRPr lang="zh-CN" altLang="en-US"/>
           </a:p>
@@ -1894,7 +1894,7 @@
           <a:p>
             <a:fld id="{2737B94B-463C-4A10-B31F-5D6631A642E2}" type="datetimeFigureOut">
               <a:rPr lang="zh-CN" altLang="en-US" smtClean="0"/>
-              <a:t>2023/6/19</a:t>
+              <a:t>2023/6/27</a:t>
             </a:fld>
             <a:endParaRPr lang="zh-CN" altLang="en-US"/>
           </a:p>
@@ -2159,7 +2159,7 @@
           <a:p>
             <a:fld id="{2737B94B-463C-4A10-B31F-5D6631A642E2}" type="datetimeFigureOut">
               <a:rPr lang="zh-CN" altLang="en-US" smtClean="0"/>
-              <a:t>2023/6/19</a:t>
+              <a:t>2023/6/27</a:t>
             </a:fld>
             <a:endParaRPr lang="zh-CN" altLang="en-US"/>
           </a:p>
@@ -2571,7 +2571,7 @@
           <a:p>
             <a:fld id="{2737B94B-463C-4A10-B31F-5D6631A642E2}" type="datetimeFigureOut">
               <a:rPr lang="zh-CN" altLang="en-US" smtClean="0"/>
-              <a:t>2023/6/19</a:t>
+              <a:t>2023/6/27</a:t>
             </a:fld>
             <a:endParaRPr lang="zh-CN" altLang="en-US"/>
           </a:p>
@@ -2712,7 +2712,7 @@
           <a:p>
             <a:fld id="{2737B94B-463C-4A10-B31F-5D6631A642E2}" type="datetimeFigureOut">
               <a:rPr lang="zh-CN" altLang="en-US" smtClean="0"/>
-              <a:t>2023/6/19</a:t>
+              <a:t>2023/6/27</a:t>
             </a:fld>
             <a:endParaRPr lang="zh-CN" altLang="en-US"/>
           </a:p>
@@ -2825,7 +2825,7 @@
           <a:p>
             <a:fld id="{2737B94B-463C-4A10-B31F-5D6631A642E2}" type="datetimeFigureOut">
               <a:rPr lang="zh-CN" altLang="en-US" smtClean="0"/>
-              <a:t>2023/6/19</a:t>
+              <a:t>2023/6/27</a:t>
             </a:fld>
             <a:endParaRPr lang="zh-CN" altLang="en-US"/>
           </a:p>
@@ -3136,7 +3136,7 @@
           <a:p>
             <a:fld id="{2737B94B-463C-4A10-B31F-5D6631A642E2}" type="datetimeFigureOut">
               <a:rPr lang="zh-CN" altLang="en-US" smtClean="0"/>
-              <a:t>2023/6/19</a:t>
+              <a:t>2023/6/27</a:t>
             </a:fld>
             <a:endParaRPr lang="zh-CN" altLang="en-US"/>
           </a:p>
@@ -3424,7 +3424,7 @@
           <a:p>
             <a:fld id="{2737B94B-463C-4A10-B31F-5D6631A642E2}" type="datetimeFigureOut">
               <a:rPr lang="zh-CN" altLang="en-US" smtClean="0"/>
-              <a:t>2023/6/19</a:t>
+              <a:t>2023/6/27</a:t>
             </a:fld>
             <a:endParaRPr lang="zh-CN" altLang="en-US"/>
           </a:p>
@@ -3665,7 +3665,7 @@
           <a:p>
             <a:fld id="{2737B94B-463C-4A10-B31F-5D6631A642E2}" type="datetimeFigureOut">
               <a:rPr lang="zh-CN" altLang="en-US" smtClean="0"/>
-              <a:t>2023/6/19</a:t>
+              <a:t>2023/6/27</a:t>
             </a:fld>
             <a:endParaRPr lang="zh-CN" altLang="en-US"/>
           </a:p>
@@ -7186,7 +7186,7 @@
         </p:blipFill>
         <p:spPr>
           <a:xfrm>
-            <a:off x="63500" y="2450255"/>
+            <a:off x="76849" y="2531619"/>
             <a:ext cx="11187582" cy="1794762"/>
           </a:xfrm>
           <a:prstGeom prst="rect">
